--- a/Soutenance/Visite virtuelle de l’IUT et Générateur de panorama.pptx
+++ b/Soutenance/Visite virtuelle de l’IUT et Générateur de panorama.pptx
@@ -104,6 +104,11 @@
       </a:defRPr>
     </a:lvl9pPr>
   </p:defaultTextStyle>
+  <p:extLst>
+    <p:ext uri="{EFAFB233-063F-42B5-8137-9DF3F51BA10A}">
+      <p15:sldGuideLst xmlns:p15="http://schemas.microsoft.com/office/powerpoint/2012/main"/>
+    </p:ext>
+  </p:extLst>
 </p:presentation>
 </file>
 
@@ -3350,26 +3355,29 @@
         </p:nvSpPr>
         <p:spPr>
           <a:xfrm>
-            <a:off x="7464614" y="1783959"/>
-            <a:ext cx="4087306" cy="2889114"/>
+            <a:off x="7315200" y="970548"/>
+            <a:ext cx="4676274" cy="2889114"/>
           </a:xfrm>
         </p:spPr>
         <p:txBody>
           <a:bodyPr anchor="b">
-            <a:normAutofit fontScale="90000"/>
+            <a:noAutofit/>
           </a:bodyPr>
           <a:lstStyle/>
           <a:p>
-            <a:pPr algn="l"/>
-            <a:r>
-              <a:rPr lang="fr-FR" sz="5400" dirty="0">
+            <a:pPr algn="r"/>
+            <a:r>
+              <a:rPr lang="fr-FR" dirty="0">
                 <a:solidFill>
-                  <a:srgbClr val="FCD21C"/>
+                  <a:schemeClr val="accent4"/>
                 </a:solidFill>
+                <a:latin typeface="+mn-lt"/>
               </a:rPr>
               <a:t>Visite virtuelle de l’IUT et Générateur de panorama</a:t>
             </a:r>
-            <a:endParaRPr lang="fr-FR" sz="5400" dirty="0"/>
+            <a:endParaRPr lang="fr-FR" dirty="0">
+              <a:latin typeface="+mn-lt"/>
+            </a:endParaRPr>
           </a:p>
         </p:txBody>
       </p:sp>
@@ -3391,17 +3399,17 @@
         </p:nvSpPr>
         <p:spPr>
           <a:xfrm>
-            <a:off x="7464612" y="4750893"/>
-            <a:ext cx="4087305" cy="1147863"/>
+            <a:off x="7904169" y="4129261"/>
+            <a:ext cx="4087305" cy="2018875"/>
           </a:xfrm>
         </p:spPr>
         <p:txBody>
           <a:bodyPr anchor="t">
-            <a:normAutofit/>
+            <a:normAutofit fontScale="77500" lnSpcReduction="20000"/>
           </a:bodyPr>
           <a:lstStyle/>
           <a:p>
-            <a:pPr algn="l"/>
+            <a:pPr algn="r"/>
             <a:endParaRPr lang="fr-FR" sz="2000" dirty="0">
               <a:solidFill>
                 <a:schemeClr val="accent4">
@@ -3412,19 +3420,59 @@
             </a:endParaRPr>
           </a:p>
           <a:p>
-            <a:pPr algn="l"/>
-            <a:r>
-              <a:rPr lang="fr-FR" sz="2000" dirty="0">
+            <a:pPr algn="r"/>
+            <a:r>
+              <a:rPr lang="fr-FR" sz="2600" dirty="0">
                 <a:solidFill>
-                  <a:srgbClr val="FCD21C"/>
+                  <a:schemeClr val="accent4"/>
                 </a:solidFill>
               </a:rPr>
-              <a:t>Présentation</a:t>
-            </a:r>
-          </a:p>
-          <a:p>
-            <a:pPr algn="l"/>
-            <a:endParaRPr lang="fr-FR" sz="2000" dirty="0"/>
+              <a:t>Lucile Velut</a:t>
+            </a:r>
+          </a:p>
+          <a:p>
+            <a:pPr algn="r"/>
+            <a:r>
+              <a:rPr lang="fr-FR" sz="2600" dirty="0">
+                <a:solidFill>
+                  <a:schemeClr val="accent4"/>
+                </a:solidFill>
+              </a:rPr>
+              <a:t>Clara Poncet-Taberlet</a:t>
+            </a:r>
+          </a:p>
+          <a:p>
+            <a:pPr algn="r"/>
+            <a:r>
+              <a:rPr lang="fr-FR" sz="2600" dirty="0">
+                <a:solidFill>
+                  <a:schemeClr val="accent4"/>
+                </a:solidFill>
+              </a:rPr>
+              <a:t>Enzo Mazella</a:t>
+            </a:r>
+          </a:p>
+          <a:p>
+            <a:pPr algn="r"/>
+            <a:r>
+              <a:rPr lang="fr-FR" sz="2600" dirty="0">
+                <a:solidFill>
+                  <a:schemeClr val="accent4"/>
+                </a:solidFill>
+              </a:rPr>
+              <a:t>Victor Mommalier</a:t>
+            </a:r>
+          </a:p>
+          <a:p>
+            <a:pPr algn="r"/>
+            <a:r>
+              <a:rPr lang="fr-FR" sz="2600" dirty="0">
+                <a:solidFill>
+                  <a:schemeClr val="accent4"/>
+                </a:solidFill>
+              </a:rPr>
+              <a:t>Clément Ferrere</a:t>
+            </a:r>
           </a:p>
         </p:txBody>
       </p:sp>
